--- a/src/ppt/讲解021【必备】归并排序.pptx
+++ b/src/ppt/讲解021【必备】归并排序.pptx
@@ -3824,49 +3824,7 @@
       </p:grpSpPr>
       <p:sp>
         <p:nvSpPr>
-          <p:cNvPr id="151" name="前置知识：递归、master公式"/>
-          <p:cNvSpPr txBox="1"/>
-          <p:nvPr>
-            <p:ph type="body" idx="21"/>
-          </p:nvPr>
-        </p:nvSpPr>
-        <p:spPr>
-          <a:xfrm>
-            <a:off x="1206499" y="3046147"/>
-            <a:ext cx="21971002" cy="1747335"/>
-          </a:xfrm>
-          <a:prstGeom prst="rect">
-            <a:avLst/>
-          </a:prstGeom>
-          <a:extLst>
-            <a:ext uri="{C572A759-6A51-4108-AA02-DFA0A04FC94B}">
-              <ma14:wrappingTextBoxFlag xmlns:ma14="http://schemas.microsoft.com/office/mac/drawingml/2011/main" val="1"/>
-            </a:ext>
-          </a:extLst>
-        </p:spPr>
-        <p:txBody>
-          <a:bodyPr/>
-          <a:lstStyle>
-            <a:lvl1pPr>
-              <a:defRPr b="0">
-                <a:latin typeface="Monaco"/>
-                <a:ea typeface="Monaco"/>
-                <a:cs typeface="Monaco"/>
-                <a:sym typeface="Monaco"/>
-              </a:defRPr>
-            </a:lvl1pPr>
-          </a:lstStyle>
-          <a:p>
-            <a:pPr/>
-            <a:r>
-              <a:t>前置知识：递归、master公式</a:t>
-            </a:r>
-          </a:p>
-        </p:txBody>
-      </p:sp>
-      <p:sp>
-        <p:nvSpPr>
-          <p:cNvPr id="152" name="归并排序"/>
+          <p:cNvPr id="151" name="归并排序"/>
           <p:cNvSpPr txBox="1"/>
           <p:nvPr>
             <p:ph type="ctrTitle"/>
@@ -3906,14 +3864,14 @@
       </p:sp>
       <p:sp>
         <p:nvSpPr>
-          <p:cNvPr id="153" name="1）左部分排好序、右部分排好序、利用merge过程让左右整体有序…"/>
+          <p:cNvPr id="152" name="前置知识：讲解019-算法笔试中处理输入和输出、讲解020-递归和master公式…"/>
           <p:cNvSpPr txBox="1"/>
           <p:nvPr/>
         </p:nvSpPr>
         <p:spPr>
           <a:xfrm>
-            <a:off x="1206499" y="4572391"/>
-            <a:ext cx="21971002" cy="7153948"/>
+            <a:off x="1206499" y="2893403"/>
+            <a:ext cx="21971002" cy="8832936"/>
           </a:xfrm>
           <a:prstGeom prst="rect">
             <a:avLst/>
@@ -3933,8 +3891,8 @@
           </a:bodyPr>
           <a:lstStyle/>
           <a:p>
-            <a:pPr algn="l" defTabSz="784225">
-              <a:defRPr sz="3420">
+            <a:pPr algn="l" defTabSz="825500">
+              <a:defRPr sz="3600">
                 <a:solidFill>
                   <a:srgbClr val="000000"/>
                 </a:solidFill>
@@ -3945,21 +3903,12 @@
               </a:defRPr>
             </a:pPr>
             <a:r>
-              <a:t>1）</a:t>
-            </a:r>
-            <a:r>
-              <a:t>左部分排好序、右部分排好序、利用</a:t>
-            </a:r>
-            <a:r>
-              <a:t>merge过程</a:t>
-            </a:r>
-            <a:r>
-              <a:t>让左右整体有序</a:t>
-            </a:r>
-          </a:p>
-          <a:p>
-            <a:pPr algn="l" defTabSz="784225">
-              <a:defRPr sz="3420">
+              <a:t>前置知识：讲解019-算法笔试中处理输入和输出、讲解020-递归和master公式</a:t>
+            </a:r>
+          </a:p>
+          <a:p>
+            <a:pPr algn="l" defTabSz="825500">
+              <a:defRPr sz="3600">
                 <a:solidFill>
                   <a:srgbClr val="000000"/>
                 </a:solidFill>
@@ -3969,13 +3918,10 @@
                 <a:sym typeface="Monaco"/>
               </a:defRPr>
             </a:pPr>
-            <a:r>
-              <a:t>2）递归实现</a:t>
-            </a:r>
-          </a:p>
-          <a:p>
-            <a:pPr algn="l" defTabSz="784225">
-              <a:defRPr sz="3420">
+          </a:p>
+          <a:p>
+            <a:pPr algn="l" defTabSz="825500">
+              <a:defRPr sz="3600">
                 <a:solidFill>
                   <a:srgbClr val="000000"/>
                 </a:solidFill>
@@ -3986,12 +3932,21 @@
               </a:defRPr>
             </a:pPr>
             <a:r>
-              <a:t>3）非递归实现</a:t>
-            </a:r>
-          </a:p>
-          <a:p>
-            <a:pPr algn="l" defTabSz="784225">
-              <a:defRPr sz="3420">
+              <a:t>1）</a:t>
+            </a:r>
+            <a:r>
+              <a:t>左部分排好序、右部分排好序、利用</a:t>
+            </a:r>
+            <a:r>
+              <a:t>merge过程</a:t>
+            </a:r>
+            <a:r>
+              <a:t>让左右整体有序</a:t>
+            </a:r>
+          </a:p>
+          <a:p>
+            <a:pPr algn="l" defTabSz="825500">
+              <a:defRPr sz="3600">
                 <a:solidFill>
                   <a:srgbClr val="000000"/>
                 </a:solidFill>
@@ -4002,12 +3957,12 @@
               </a:defRPr>
             </a:pPr>
             <a:r>
-              <a:t>4）时间复杂度O(n * logn)</a:t>
-            </a:r>
-          </a:p>
-          <a:p>
-            <a:pPr algn="l" defTabSz="784225">
-              <a:defRPr sz="3420">
+              <a:t>2）递归实现</a:t>
+            </a:r>
+          </a:p>
+          <a:p>
+            <a:pPr algn="l" defTabSz="825500">
+              <a:defRPr sz="3600">
                 <a:solidFill>
                   <a:srgbClr val="000000"/>
                 </a:solidFill>
@@ -4018,12 +3973,12 @@
               </a:defRPr>
             </a:pPr>
             <a:r>
-              <a:t>5）需要辅助数组，所以额外空间复杂度O(n)</a:t>
-            </a:r>
-          </a:p>
-          <a:p>
-            <a:pPr algn="l" defTabSz="784225">
-              <a:defRPr sz="3420">
+              <a:t>3）非递归实现</a:t>
+            </a:r>
+          </a:p>
+          <a:p>
+            <a:pPr algn="l" defTabSz="825500">
+              <a:defRPr sz="3600">
                 <a:solidFill>
                   <a:srgbClr val="000000"/>
                 </a:solidFill>
@@ -4034,12 +3989,12 @@
               </a:defRPr>
             </a:pPr>
             <a:r>
-              <a:t>6）归并排序为什么比O(n^2)的排序快这么多？</a:t>
-            </a:r>
-          </a:p>
-          <a:p>
-            <a:pPr algn="l" defTabSz="784225">
-              <a:defRPr sz="3420">
+              <a:t>4）时间复杂度O(n * logn)</a:t>
+            </a:r>
+          </a:p>
+          <a:p>
+            <a:pPr algn="l" defTabSz="825500">
+              <a:defRPr sz="3600">
                 <a:solidFill>
                   <a:srgbClr val="000000"/>
                 </a:solidFill>
@@ -4050,12 +4005,12 @@
               </a:defRPr>
             </a:pPr>
             <a:r>
-              <a:t>7）利用归并排序的便利性可以解决很多问题 - 归并分治 - 下节课</a:t>
-            </a:r>
-          </a:p>
-          <a:p>
-            <a:pPr algn="l" defTabSz="784225">
-              <a:defRPr sz="3420">
+              <a:t>5）需要辅助数组，所以额外空间复杂度O(n)</a:t>
+            </a:r>
+          </a:p>
+          <a:p>
+            <a:pPr algn="l" defTabSz="825500">
+              <a:defRPr sz="3600">
                 <a:solidFill>
                   <a:srgbClr val="000000"/>
                 </a:solidFill>
@@ -4066,12 +4021,12 @@
               </a:defRPr>
             </a:pPr>
             <a:r>
-              <a:t>注意：</a:t>
-            </a:r>
-          </a:p>
-          <a:p>
-            <a:pPr algn="l" defTabSz="784225">
-              <a:defRPr sz="3420">
+              <a:t>6）归并排序为什么比O(n^2)的排序快这么多？</a:t>
+            </a:r>
+          </a:p>
+          <a:p>
+            <a:pPr algn="l" defTabSz="825500">
+              <a:defRPr sz="3600">
                 <a:solidFill>
                   <a:srgbClr val="000000"/>
                 </a:solidFill>
@@ -4082,12 +4037,12 @@
               </a:defRPr>
             </a:pPr>
             <a:r>
-              <a:t>有些资料说可以用原地归并排序，把额外空间复杂度变成O(1)，不要浪费时间去学</a:t>
-            </a:r>
-          </a:p>
-          <a:p>
-            <a:pPr algn="l" defTabSz="784225">
-              <a:defRPr sz="3420">
+              <a:t>7）利用归并排序的便利性可以解决很多问题 - 归并分治 - 下节课</a:t>
+            </a:r>
+          </a:p>
+          <a:p>
+            <a:pPr algn="l" defTabSz="825500">
+              <a:defRPr sz="3600">
                 <a:solidFill>
                   <a:srgbClr val="000000"/>
                 </a:solidFill>
@@ -4098,12 +4053,12 @@
               </a:defRPr>
             </a:pPr>
             <a:r>
-              <a:t>因为原地归并排序确实可以省空间，但是会让复杂度变成O(n^2)</a:t>
-            </a:r>
-          </a:p>
-          <a:p>
-            <a:pPr algn="l" defTabSz="784225">
-              <a:defRPr sz="3420">
+              <a:t>注意：</a:t>
+            </a:r>
+          </a:p>
+          <a:p>
+            <a:pPr algn="l" defTabSz="825500">
+              <a:defRPr sz="3600">
                 <a:solidFill>
                   <a:srgbClr val="000000"/>
                 </a:solidFill>
@@ -4114,6 +4069,38 @@
               </a:defRPr>
             </a:pPr>
             <a:r>
+              <a:t>有些资料说可以用原地归并排序，把额外空间复杂度变成O(1)，不要浪费时间去学</a:t>
+            </a:r>
+          </a:p>
+          <a:p>
+            <a:pPr algn="l" defTabSz="825500">
+              <a:defRPr sz="3600">
+                <a:solidFill>
+                  <a:srgbClr val="000000"/>
+                </a:solidFill>
+                <a:latin typeface="Monaco"/>
+                <a:ea typeface="Monaco"/>
+                <a:cs typeface="Monaco"/>
+                <a:sym typeface="Monaco"/>
+              </a:defRPr>
+            </a:pPr>
+            <a:r>
+              <a:t>因为原地归并排序确实可以省空间，但是会让复杂度变成O(n^2)</a:t>
+            </a:r>
+          </a:p>
+          <a:p>
+            <a:pPr algn="l" defTabSz="825500">
+              <a:defRPr sz="3600">
+                <a:solidFill>
+                  <a:srgbClr val="000000"/>
+                </a:solidFill>
+                <a:latin typeface="Monaco"/>
+                <a:ea typeface="Monaco"/>
+                <a:cs typeface="Monaco"/>
+                <a:sym typeface="Monaco"/>
+              </a:defRPr>
+            </a:pPr>
+            <a:r>
               <a:t>有关排序更多的概念、注意点、闭坑指南，将在后续课程继续</a:t>
             </a:r>
           </a:p>
@@ -4121,7 +4108,7 @@
       </p:sp>
       <p:sp>
         <p:nvSpPr>
-          <p:cNvPr id="154" name="左程云"/>
+          <p:cNvPr id="153" name="左程云"/>
           <p:cNvSpPr txBox="1"/>
           <p:nvPr/>
         </p:nvSpPr>
